--- a/Status Updates/Questions.pptx
+++ b/Status Updates/Questions.pptx
@@ -106,6 +106,22 @@
       </a:defRPr>
     </a:lvl9pPr>
   </p:defaultTextStyle>
+  <p:extLst>
+    <p:ext uri="{EFAFB233-063F-42B5-8137-9DF3F51BA10A}">
+      <p15:sldGuideLst xmlns:p15="http://schemas.microsoft.com/office/powerpoint/2012/main">
+        <p15:guide id="1" orient="horz" pos="2160">
+          <p15:clr>
+            <a:srgbClr val="A4A3A4"/>
+          </p15:clr>
+        </p15:guide>
+        <p15:guide id="2" pos="2880">
+          <p15:clr>
+            <a:srgbClr val="A4A3A4"/>
+          </p15:clr>
+        </p15:guide>
+      </p15:sldGuideLst>
+    </p:ext>
+  </p:extLst>
 </p:presentation>
 </file>
 
@@ -3307,6 +3323,48 @@
             <a:endParaRPr lang="en-US" dirty="0" smtClean="0"/>
           </a:p>
           <a:p>
+            <a:r>
+              <a:rPr lang="en-US" i="1" dirty="0" smtClean="0"/>
+              <a:t>Abstraction: The communications layer is the only layer that deals directly with hardware. The subsystems are developed in such a way that core functionality can be abstracted away (interfaces). </a:t>
+            </a:r>
+          </a:p>
+          <a:p>
+            <a:r>
+              <a:rPr lang="en-US" i="1" dirty="0" err="1" smtClean="0"/>
+              <a:t>Input/Output</a:t>
+            </a:r>
+            <a:r>
+              <a:rPr lang="en-US" i="1" dirty="0" smtClean="0"/>
+              <a:t> remain unchanged and well defined. The </a:t>
+            </a:r>
+            <a:r>
+              <a:rPr lang="en-US" b="1" i="1" dirty="0" smtClean="0"/>
+              <a:t>black box</a:t>
+            </a:r>
+            <a:r>
+              <a:rPr lang="en-US" i="1" dirty="0" smtClean="0"/>
+              <a:t> (implementation) changes to reflect the hardware.</a:t>
+            </a:r>
+          </a:p>
+          <a:p>
+            <a:endParaRPr lang="en-US" i="1" dirty="0"/>
+          </a:p>
+          <a:p>
+            <a:r>
+              <a:rPr lang="en-US" i="1" dirty="0" smtClean="0"/>
+              <a:t>The concrete implementation that we develop for their firmware is specific to that firmware (Marlin/</a:t>
+            </a:r>
+            <a:r>
+              <a:rPr lang="en-US" i="1" dirty="0" err="1" smtClean="0"/>
+              <a:t>RepRap</a:t>
+            </a:r>
+            <a:r>
+              <a:rPr lang="en-US" i="1" smtClean="0"/>
+              <a:t>)s</a:t>
+            </a:r>
+            <a:endParaRPr lang="en-US" i="1" dirty="0" smtClean="0"/>
+          </a:p>
+          <a:p>
             <a:endParaRPr lang="en-US" dirty="0"/>
           </a:p>
         </p:txBody>
